--- a/Documentation/Jordan Wesson TDD.pptx
+++ b/Documentation/Jordan Wesson TDD.pptx
@@ -21,7 +21,6 @@
     <p:sldId id="272" r:id="rId15"/>
     <p:sldId id="281" r:id="rId16"/>
     <p:sldId id="282" r:id="rId17"/>
-    <p:sldId id="262" r:id="rId18"/>
   </p:sldIdLst>
   <p:sldSz cx="12192000" cy="6858000"/>
   <p:notesSz cx="6858000" cy="9144000"/>
@@ -285,7 +284,7 @@
           <a:p>
             <a:fld id="{AF11DB54-FC97-4A28-A57D-516766A9C902}" type="datetimeFigureOut">
               <a:rPr lang="en-AU" smtClean="0"/>
-              <a:t>22/09/2021</a:t>
+              <a:t>24/09/2021</a:t>
             </a:fld>
             <a:endParaRPr lang="en-AU"/>
           </a:p>
@@ -485,7 +484,7 @@
           <a:p>
             <a:fld id="{AF11DB54-FC97-4A28-A57D-516766A9C902}" type="datetimeFigureOut">
               <a:rPr lang="en-AU" smtClean="0"/>
-              <a:t>22/09/2021</a:t>
+              <a:t>24/09/2021</a:t>
             </a:fld>
             <a:endParaRPr lang="en-AU"/>
           </a:p>
@@ -695,7 +694,7 @@
           <a:p>
             <a:fld id="{AF11DB54-FC97-4A28-A57D-516766A9C902}" type="datetimeFigureOut">
               <a:rPr lang="en-AU" smtClean="0"/>
-              <a:t>22/09/2021</a:t>
+              <a:t>24/09/2021</a:t>
             </a:fld>
             <a:endParaRPr lang="en-AU"/>
           </a:p>
@@ -895,7 +894,7 @@
           <a:p>
             <a:fld id="{AF11DB54-FC97-4A28-A57D-516766A9C902}" type="datetimeFigureOut">
               <a:rPr lang="en-AU" smtClean="0"/>
-              <a:t>22/09/2021</a:t>
+              <a:t>24/09/2021</a:t>
             </a:fld>
             <a:endParaRPr lang="en-AU"/>
           </a:p>
@@ -1171,7 +1170,7 @@
           <a:p>
             <a:fld id="{AF11DB54-FC97-4A28-A57D-516766A9C902}" type="datetimeFigureOut">
               <a:rPr lang="en-AU" smtClean="0"/>
-              <a:t>22/09/2021</a:t>
+              <a:t>24/09/2021</a:t>
             </a:fld>
             <a:endParaRPr lang="en-AU"/>
           </a:p>
@@ -1439,7 +1438,7 @@
           <a:p>
             <a:fld id="{AF11DB54-FC97-4A28-A57D-516766A9C902}" type="datetimeFigureOut">
               <a:rPr lang="en-AU" smtClean="0"/>
-              <a:t>22/09/2021</a:t>
+              <a:t>24/09/2021</a:t>
             </a:fld>
             <a:endParaRPr lang="en-AU"/>
           </a:p>
@@ -1854,7 +1853,7 @@
           <a:p>
             <a:fld id="{AF11DB54-FC97-4A28-A57D-516766A9C902}" type="datetimeFigureOut">
               <a:rPr lang="en-AU" smtClean="0"/>
-              <a:t>22/09/2021</a:t>
+              <a:t>24/09/2021</a:t>
             </a:fld>
             <a:endParaRPr lang="en-AU"/>
           </a:p>
@@ -1996,7 +1995,7 @@
           <a:p>
             <a:fld id="{AF11DB54-FC97-4A28-A57D-516766A9C902}" type="datetimeFigureOut">
               <a:rPr lang="en-AU" smtClean="0"/>
-              <a:t>22/09/2021</a:t>
+              <a:t>24/09/2021</a:t>
             </a:fld>
             <a:endParaRPr lang="en-AU"/>
           </a:p>
@@ -2109,7 +2108,7 @@
           <a:p>
             <a:fld id="{AF11DB54-FC97-4A28-A57D-516766A9C902}" type="datetimeFigureOut">
               <a:rPr lang="en-AU" smtClean="0"/>
-              <a:t>22/09/2021</a:t>
+              <a:t>24/09/2021</a:t>
             </a:fld>
             <a:endParaRPr lang="en-AU"/>
           </a:p>
@@ -2422,7 +2421,7 @@
           <a:p>
             <a:fld id="{AF11DB54-FC97-4A28-A57D-516766A9C902}" type="datetimeFigureOut">
               <a:rPr lang="en-AU" smtClean="0"/>
-              <a:t>22/09/2021</a:t>
+              <a:t>24/09/2021</a:t>
             </a:fld>
             <a:endParaRPr lang="en-AU"/>
           </a:p>
@@ -2711,7 +2710,7 @@
           <a:p>
             <a:fld id="{AF11DB54-FC97-4A28-A57D-516766A9C902}" type="datetimeFigureOut">
               <a:rPr lang="en-AU" smtClean="0"/>
-              <a:t>22/09/2021</a:t>
+              <a:t>24/09/2021</a:t>
             </a:fld>
             <a:endParaRPr lang="en-AU"/>
           </a:p>
@@ -2954,7 +2953,7 @@
           <a:p>
             <a:fld id="{AF11DB54-FC97-4A28-A57D-516766A9C902}" type="datetimeFigureOut">
               <a:rPr lang="en-AU" smtClean="0"/>
-              <a:t>22/09/2021</a:t>
+              <a:t>24/09/2021</a:t>
             </a:fld>
             <a:endParaRPr lang="en-AU"/>
           </a:p>
@@ -4647,421 +4646,6 @@
 </p:sld>
 </file>
 
-<file path=ppt/slides/slide17.xml><?xml version="1.0" encoding="utf-8"?>
-<p:sld xmlns:a="http://schemas.openxmlformats.org/drawingml/2006/main" xmlns:r="http://schemas.openxmlformats.org/officeDocument/2006/relationships" xmlns:p="http://schemas.openxmlformats.org/presentationml/2006/main">
-  <p:cSld>
-    <p:spTree>
-      <p:nvGrpSpPr>
-        <p:cNvPr id="1" name=""/>
-        <p:cNvGrpSpPr/>
-        <p:nvPr/>
-      </p:nvGrpSpPr>
-      <p:grpSpPr>
-        <a:xfrm>
-          <a:off x="0" y="0"/>
-          <a:ext cx="0" cy="0"/>
-          <a:chOff x="0" y="0"/>
-          <a:chExt cx="0" cy="0"/>
-        </a:xfrm>
-      </p:grpSpPr>
-      <p:sp>
-        <p:nvSpPr>
-          <p:cNvPr id="2" name="Title 1">
-            <a:extLst>
-              <a:ext uri="{FF2B5EF4-FFF2-40B4-BE49-F238E27FC236}">
-                <a16:creationId xmlns:a16="http://schemas.microsoft.com/office/drawing/2014/main" id="{BCEC7AF7-F21A-4182-A802-200EF2359FB5}"/>
-              </a:ext>
-            </a:extLst>
-          </p:cNvPr>
-          <p:cNvSpPr>
-            <a:spLocks noGrp="1"/>
-          </p:cNvSpPr>
-          <p:nvPr>
-            <p:ph type="title"/>
-          </p:nvPr>
-        </p:nvSpPr>
-        <p:spPr/>
-        <p:txBody>
-          <a:bodyPr/>
-          <a:lstStyle/>
-          <a:p>
-            <a:r>
-              <a:rPr lang="en-AU" dirty="0"/>
-              <a:t>Software / System Requirements</a:t>
-            </a:r>
-          </a:p>
-        </p:txBody>
-      </p:sp>
-      <p:graphicFrame>
-        <p:nvGraphicFramePr>
-          <p:cNvPr id="6" name="Table 6">
-            <a:extLst>
-              <a:ext uri="{FF2B5EF4-FFF2-40B4-BE49-F238E27FC236}">
-                <a16:creationId xmlns:a16="http://schemas.microsoft.com/office/drawing/2014/main" id="{5C1921BD-9F11-44E8-B0C7-4167F5BC4DE4}"/>
-              </a:ext>
-            </a:extLst>
-          </p:cNvPr>
-          <p:cNvGraphicFramePr>
-            <a:graphicFrameLocks noGrp="1"/>
-          </p:cNvGraphicFramePr>
-          <p:nvPr>
-            <p:ph idx="1"/>
-            <p:extLst>
-              <p:ext uri="{D42A27DB-BD31-4B8C-83A1-F6EECF244321}">
-                <p14:modId xmlns:p14="http://schemas.microsoft.com/office/powerpoint/2010/main" val="2466548716"/>
-              </p:ext>
-            </p:extLst>
-          </p:nvPr>
-        </p:nvGraphicFramePr>
-        <p:xfrm>
-          <a:off x="838200" y="1825625"/>
-          <a:ext cx="10515600" cy="2397760"/>
-        </p:xfrm>
-        <a:graphic>
-          <a:graphicData uri="http://schemas.openxmlformats.org/drawingml/2006/table">
-            <a:tbl>
-              <a:tblPr firstRow="1" bandRow="1">
-                <a:tableStyleId>{5940675A-B579-460E-94D1-54222C63F5DA}</a:tableStyleId>
-              </a:tblPr>
-              <a:tblGrid>
-                <a:gridCol w="2628900">
-                  <a:extLst>
-                    <a:ext uri="{9D8B030D-6E8A-4147-A177-3AD203B41FA5}">
-                      <a16:colId xmlns:a16="http://schemas.microsoft.com/office/drawing/2014/main" val="1068172457"/>
-                    </a:ext>
-                  </a:extLst>
-                </a:gridCol>
-                <a:gridCol w="2628900">
-                  <a:extLst>
-                    <a:ext uri="{9D8B030D-6E8A-4147-A177-3AD203B41FA5}">
-                      <a16:colId xmlns:a16="http://schemas.microsoft.com/office/drawing/2014/main" val="3006516082"/>
-                    </a:ext>
-                  </a:extLst>
-                </a:gridCol>
-                <a:gridCol w="2628900">
-                  <a:extLst>
-                    <a:ext uri="{9D8B030D-6E8A-4147-A177-3AD203B41FA5}">
-                      <a16:colId xmlns:a16="http://schemas.microsoft.com/office/drawing/2014/main" val="759585712"/>
-                    </a:ext>
-                  </a:extLst>
-                </a:gridCol>
-                <a:gridCol w="2628900">
-                  <a:extLst>
-                    <a:ext uri="{9D8B030D-6E8A-4147-A177-3AD203B41FA5}">
-                      <a16:colId xmlns:a16="http://schemas.microsoft.com/office/drawing/2014/main" val="3097488584"/>
-                    </a:ext>
-                  </a:extLst>
-                </a:gridCol>
-              </a:tblGrid>
-              <a:tr h="370840">
-                <a:tc>
-                  <a:txBody>
-                    <a:bodyPr/>
-                    <a:lstStyle/>
-                    <a:p>
-                      <a:r>
-                        <a:rPr lang="en-AU" b="1" dirty="0"/>
-                        <a:t>Spec</a:t>
-                      </a:r>
-                    </a:p>
-                  </a:txBody>
-                  <a:tcPr/>
-                </a:tc>
-                <a:tc>
-                  <a:txBody>
-                    <a:bodyPr/>
-                    <a:lstStyle/>
-                    <a:p>
-                      <a:r>
-                        <a:rPr lang="en-AU" b="1" dirty="0"/>
-                        <a:t>Desktop</a:t>
-                      </a:r>
-                    </a:p>
-                  </a:txBody>
-                  <a:tcPr/>
-                </a:tc>
-                <a:tc>
-                  <a:txBody>
-                    <a:bodyPr/>
-                    <a:lstStyle/>
-                    <a:p>
-                      <a:r>
-                        <a:rPr lang="en-AU" b="1" dirty="0"/>
-                        <a:t>Android</a:t>
-                      </a:r>
-                    </a:p>
-                  </a:txBody>
-                  <a:tcPr/>
-                </a:tc>
-                <a:tc>
-                  <a:txBody>
-                    <a:bodyPr/>
-                    <a:lstStyle/>
-                    <a:p>
-                      <a:r>
-                        <a:rPr lang="en-AU" b="1" dirty="0"/>
-                        <a:t>Web</a:t>
-                      </a:r>
-                    </a:p>
-                  </a:txBody>
-                  <a:tcPr/>
-                </a:tc>
-                <a:extLst>
-                  <a:ext uri="{0D108BD9-81ED-4DB2-BD59-A6C34878D82A}">
-                    <a16:rowId xmlns:a16="http://schemas.microsoft.com/office/drawing/2014/main" val="3617171252"/>
-                  </a:ext>
-                </a:extLst>
-              </a:tr>
-              <a:tr h="370840">
-                <a:tc>
-                  <a:txBody>
-                    <a:bodyPr/>
-                    <a:lstStyle/>
-                    <a:p>
-                      <a:r>
-                        <a:rPr lang="en-AU" b="0" dirty="0"/>
-                        <a:t>Operating System</a:t>
-                      </a:r>
-                    </a:p>
-                  </a:txBody>
-                  <a:tcPr/>
-                </a:tc>
-                <a:tc>
-                  <a:txBody>
-                    <a:bodyPr/>
-                    <a:lstStyle/>
-                    <a:p>
-                      <a:r>
-                        <a:rPr lang="en-AU" b="0" dirty="0"/>
-                        <a:t>Windows 7+</a:t>
-                      </a:r>
-                    </a:p>
-                  </a:txBody>
-                  <a:tcPr/>
-                </a:tc>
-                <a:tc>
-                  <a:txBody>
-                    <a:bodyPr/>
-                    <a:lstStyle/>
-                    <a:p>
-                      <a:r>
-                        <a:rPr lang="en-AU" b="0" dirty="0"/>
-                        <a:t>4.4+</a:t>
-                      </a:r>
-                    </a:p>
-                  </a:txBody>
-                  <a:tcPr/>
-                </a:tc>
-                <a:tc>
-                  <a:txBody>
-                    <a:bodyPr/>
-                    <a:lstStyle/>
-                    <a:p>
-                      <a:r>
-                        <a:rPr lang="en-AU" b="0" dirty="0"/>
-                        <a:t>-</a:t>
-                      </a:r>
-                    </a:p>
-                  </a:txBody>
-                  <a:tcPr/>
-                </a:tc>
-                <a:extLst>
-                  <a:ext uri="{0D108BD9-81ED-4DB2-BD59-A6C34878D82A}">
-                    <a16:rowId xmlns:a16="http://schemas.microsoft.com/office/drawing/2014/main" val="566585865"/>
-                  </a:ext>
-                </a:extLst>
-              </a:tr>
-              <a:tr h="370840">
-                <a:tc>
-                  <a:txBody>
-                    <a:bodyPr/>
-                    <a:lstStyle/>
-                    <a:p>
-                      <a:r>
-                        <a:rPr lang="en-AU" b="0" dirty="0"/>
-                        <a:t>Graphics API</a:t>
-                      </a:r>
-                    </a:p>
-                  </a:txBody>
-                  <a:tcPr/>
-                </a:tc>
-                <a:tc>
-                  <a:txBody>
-                    <a:bodyPr/>
-                    <a:lstStyle/>
-                    <a:p>
-                      <a:r>
-                        <a:rPr lang="en-AU" b="0" dirty="0"/>
-                        <a:t>DX10+</a:t>
-                      </a:r>
-                    </a:p>
-                  </a:txBody>
-                  <a:tcPr/>
-                </a:tc>
-                <a:tc>
-                  <a:txBody>
-                    <a:bodyPr/>
-                    <a:lstStyle/>
-                    <a:p>
-                      <a:r>
-                        <a:rPr lang="en-AU" b="0" dirty="0"/>
-                        <a:t>OpenGL ES 2.0+, Vulkan</a:t>
-                      </a:r>
-                    </a:p>
-                  </a:txBody>
-                  <a:tcPr/>
-                </a:tc>
-                <a:tc>
-                  <a:txBody>
-                    <a:bodyPr/>
-                    <a:lstStyle/>
-                    <a:p>
-                      <a:r>
-                        <a:rPr lang="en-AU" b="0" dirty="0"/>
-                        <a:t>-</a:t>
-                      </a:r>
-                    </a:p>
-                  </a:txBody>
-                  <a:tcPr/>
-                </a:tc>
-                <a:extLst>
-                  <a:ext uri="{0D108BD9-81ED-4DB2-BD59-A6C34878D82A}">
-                    <a16:rowId xmlns:a16="http://schemas.microsoft.com/office/drawing/2014/main" val="2921348491"/>
-                  </a:ext>
-                </a:extLst>
-              </a:tr>
-              <a:tr h="370840">
-                <a:tc>
-                  <a:txBody>
-                    <a:bodyPr/>
-                    <a:lstStyle/>
-                    <a:p>
-                      <a:r>
-                        <a:rPr lang="en-AU" b="0" dirty="0"/>
-                        <a:t>CPU</a:t>
-                      </a:r>
-                    </a:p>
-                  </a:txBody>
-                  <a:tcPr/>
-                </a:tc>
-                <a:tc>
-                  <a:txBody>
-                    <a:bodyPr/>
-                    <a:lstStyle/>
-                    <a:p>
-                      <a:r>
-                        <a:rPr lang="en-AU" b="0" dirty="0"/>
-                        <a:t>x64, x86</a:t>
-                      </a:r>
-                    </a:p>
-                  </a:txBody>
-                  <a:tcPr/>
-                </a:tc>
-                <a:tc>
-                  <a:txBody>
-                    <a:bodyPr/>
-                    <a:lstStyle/>
-                    <a:p>
-                      <a:r>
-                        <a:rPr lang="en-GB" sz="1800" b="0" i="0" kern="1200" dirty="0">
-                          <a:solidFill>
-                            <a:schemeClr val="tx1"/>
-                          </a:solidFill>
-                          <a:effectLst/>
-                          <a:latin typeface="+mn-lt"/>
-                          <a:ea typeface="+mn-ea"/>
-                          <a:cs typeface="+mn-cs"/>
-                        </a:rPr>
-                        <a:t>ARMv7 with Neon Support (32-bit) or ARM64</a:t>
-                      </a:r>
-                      <a:endParaRPr lang="en-AU" b="0" dirty="0"/>
-                    </a:p>
-                  </a:txBody>
-                  <a:tcPr/>
-                </a:tc>
-                <a:tc>
-                  <a:txBody>
-                    <a:bodyPr/>
-                    <a:lstStyle/>
-                    <a:p>
-                      <a:r>
-                        <a:rPr lang="en-AU" b="0" dirty="0"/>
-                        <a:t>-</a:t>
-                      </a:r>
-                    </a:p>
-                  </a:txBody>
-                  <a:tcPr/>
-                </a:tc>
-                <a:extLst>
-                  <a:ext uri="{0D108BD9-81ED-4DB2-BD59-A6C34878D82A}">
-                    <a16:rowId xmlns:a16="http://schemas.microsoft.com/office/drawing/2014/main" val="1357528538"/>
-                  </a:ext>
-                </a:extLst>
-              </a:tr>
-              <a:tr h="370840">
-                <a:tc>
-                  <a:txBody>
-                    <a:bodyPr/>
-                    <a:lstStyle/>
-                    <a:p>
-                      <a:endParaRPr lang="en-AU" b="0" dirty="0"/>
-                    </a:p>
-                  </a:txBody>
-                  <a:tcPr/>
-                </a:tc>
-                <a:tc>
-                  <a:txBody>
-                    <a:bodyPr/>
-                    <a:lstStyle/>
-                    <a:p>
-                      <a:endParaRPr lang="en-AU" b="0" dirty="0"/>
-                    </a:p>
-                  </a:txBody>
-                  <a:tcPr/>
-                </a:tc>
-                <a:tc>
-                  <a:txBody>
-                    <a:bodyPr/>
-                    <a:lstStyle/>
-                    <a:p>
-                      <a:endParaRPr lang="en-AU" b="0" dirty="0"/>
-                    </a:p>
-                  </a:txBody>
-                  <a:tcPr/>
-                </a:tc>
-                <a:tc>
-                  <a:txBody>
-                    <a:bodyPr/>
-                    <a:lstStyle/>
-                    <a:p>
-                      <a:endParaRPr lang="en-AU" b="0" dirty="0"/>
-                    </a:p>
-                  </a:txBody>
-                  <a:tcPr/>
-                </a:tc>
-                <a:extLst>
-                  <a:ext uri="{0D108BD9-81ED-4DB2-BD59-A6C34878D82A}">
-                    <a16:rowId xmlns:a16="http://schemas.microsoft.com/office/drawing/2014/main" val="4209462619"/>
-                  </a:ext>
-                </a:extLst>
-              </a:tr>
-            </a:tbl>
-          </a:graphicData>
-        </a:graphic>
-      </p:graphicFrame>
-    </p:spTree>
-    <p:extLst>
-      <p:ext uri="{BB962C8B-B14F-4D97-AF65-F5344CB8AC3E}">
-        <p14:creationId xmlns:p14="http://schemas.microsoft.com/office/powerpoint/2010/main" val="437219412"/>
-      </p:ext>
-    </p:extLst>
-  </p:cSld>
-  <p:clrMapOvr>
-    <a:masterClrMapping/>
-  </p:clrMapOvr>
-</p:sld>
-</file>
-
 <file path=ppt/slides/slide2.xml><?xml version="1.0" encoding="utf-8"?>
 <p:sld xmlns:a="http://schemas.openxmlformats.org/drawingml/2006/main" xmlns:r="http://schemas.openxmlformats.org/officeDocument/2006/relationships" xmlns:p="http://schemas.openxmlformats.org/presentationml/2006/main">
   <p:cSld>
